--- a/Team1.pptx
+++ b/Team1.pptx
@@ -263,6 +263,10 @@
     </p:ext>
   </p:extLst>
 </p:presentation>
+</file>
+
+<file path=ppt/revisionInfo.xml><?xml version="1.0" encoding="utf-8"?>
+<p1510:revInfo xmlns:a="http://schemas.openxmlformats.org/drawingml/2006/main" xmlns:r="http://schemas.openxmlformats.org/officeDocument/2006/relationships" xmlns:p1510="http://schemas.microsoft.com/office/powerpoint/2015/10/main"/>
 </file>
 
 <file path=ppt/notesMasters/notesMaster1.xml><?xml version="1.0" encoding="utf-8"?>
@@ -16509,7 +16513,7 @@
               <a:buNone/>
             </a:pPr>
             <a:r>
-              <a:rPr lang="en" dirty="0" smtClean="0"/>
+              <a:rPr lang="en" dirty="0"/>
               <a:t>USC Viterbi Graduate Hackathon</a:t>
             </a:r>
             <a:endParaRPr dirty="0"/>
@@ -16563,7 +16567,7 @@
               <a:defRPr/>
             </a:pPr>
             <a:r>
-              <a:rPr kumimoji="0" lang="en-IN" sz="3200" b="1" i="0" u="none" strike="noStrike" kern="0" cap="none" spc="0" normalizeH="0" baseline="0" noProof="0" dirty="0" smtClean="0">
+              <a:rPr kumimoji="0" lang="en-IN" sz="3200" b="1" i="0" u="none" strike="noStrike" kern="0" cap="none" spc="0" normalizeH="0" baseline="0" noProof="0" dirty="0">
                 <a:ln>
                   <a:noFill/>
                 </a:ln>
@@ -16581,7 +16585,7 @@
               <a:t>Internet</a:t>
             </a:r>
             <a:r>
-              <a:rPr kumimoji="0" lang="en-IN" sz="3200" b="1" i="0" u="none" strike="noStrike" kern="0" cap="none" spc="0" normalizeH="0" noProof="0" dirty="0" smtClean="0">
+              <a:rPr kumimoji="0" lang="en-IN" sz="3200" b="1" i="0" u="none" strike="noStrike" kern="0" cap="none" spc="0" normalizeH="0" noProof="0" dirty="0">
                 <a:ln>
                   <a:noFill/>
                 </a:ln>
@@ -16620,7 +16624,7 @@
               <a:defRPr/>
             </a:pPr>
             <a:r>
-              <a:rPr lang="en-IN" sz="3200" b="1" baseline="0" dirty="0" smtClean="0">
+              <a:rPr lang="en-IN" sz="3200" b="1" baseline="0" dirty="0">
                 <a:solidFill>
                   <a:schemeClr val="tx1"/>
                 </a:solidFill>
@@ -16709,7 +16713,7 @@
               <a:buNone/>
             </a:pPr>
             <a:r>
-              <a:rPr lang="en" sz="2800" b="1" dirty="0" smtClean="0">
+              <a:rPr lang="en" sz="2800" b="1" dirty="0">
                 <a:solidFill>
                   <a:schemeClr val="tx1"/>
                 </a:solidFill>
@@ -16822,28 +16826,8 @@
               <a:buSzPts val="2200"/>
             </a:pPr>
             <a:r>
-              <a:rPr lang="en-IN" sz="1800" dirty="0" smtClean="0"/>
-              <a:t>Given a data-set of connections established by devices on a </a:t>
-            </a:r>
-            <a:r>
-              <a:rPr lang="en-IN" sz="1800" dirty="0" smtClean="0"/>
-              <a:t>network</a:t>
-            </a:r>
-            <a:r>
-              <a:rPr lang="en-IN" sz="1800" dirty="0" smtClean="0"/>
-              <a:t>, </a:t>
-            </a:r>
-            <a:r>
-              <a:rPr lang="en-IN" sz="1800" dirty="0" smtClean="0"/>
-              <a:t>the goal is to identify devices on the network </a:t>
-            </a:r>
-            <a:r>
-              <a:rPr lang="en-IN" sz="1800" dirty="0" smtClean="0"/>
-              <a:t>as specifically as possible, and generate a policy to block communications that are </a:t>
-            </a:r>
-            <a:r>
-              <a:rPr lang="en-IN" sz="1800" dirty="0" smtClean="0"/>
-              <a:t>dangerous.</a:t>
+              <a:rPr lang="en-IN" sz="1800" dirty="0"/>
+              <a:t>Given a data-set of connections established by devices on a network, the goal is to identify devices on the network as specifically as possible, and generate a policy to block communications that are dangerous.</a:t>
             </a:r>
             <a:endParaRPr kumimoji="0" lang="en-IN" sz="1800" b="1" i="0" u="none" strike="noStrike" kern="0" cap="none" spc="0" normalizeH="0" baseline="0" noProof="0" dirty="0">
               <a:ln>
@@ -16923,7 +16907,7 @@
               <a:buNone/>
             </a:pPr>
             <a:r>
-              <a:rPr lang="en" sz="2800" dirty="0" smtClean="0">
+              <a:rPr lang="en" sz="2800" dirty="0">
                 <a:solidFill>
                   <a:schemeClr val="tx1"/>
                 </a:solidFill>
@@ -17087,7 +17071,7 @@
               <a:buNone/>
             </a:pPr>
             <a:r>
-              <a:rPr lang="en-US" sz="2800" dirty="0" smtClean="0">
+              <a:rPr lang="en-US" sz="2800" dirty="0">
                 <a:solidFill>
                   <a:schemeClr val="tx1"/>
                 </a:solidFill>
@@ -17184,7 +17168,7 @@
           <a:lstStyle/>
           <a:p>
             <a:r>
-              <a:rPr lang="en-US" sz="1800" dirty="0" smtClean="0"/>
+              <a:rPr lang="en-US" sz="1800" dirty="0"/>
               <a:t>Model hostname, collate device information and research policies using the following datasets</a:t>
             </a:r>
           </a:p>
@@ -17194,7 +17178,7 @@
               <a:buChar char="•"/>
             </a:pPr>
             <a:r>
-              <a:rPr lang="en-US" sz="1800" dirty="0" smtClean="0"/>
+              <a:rPr lang="en-US" sz="1800" dirty="0"/>
               <a:t>Malware and Normal captures from the Stratosphere IPS Project</a:t>
             </a:r>
           </a:p>
@@ -17204,7 +17188,7 @@
               <a:buChar char="•"/>
             </a:pPr>
             <a:r>
-              <a:rPr lang="en-US" sz="1800" dirty="0" smtClean="0"/>
+              <a:rPr lang="en-US" sz="1800" dirty="0"/>
               <a:t>IOT Device captures, Aalto University</a:t>
             </a:r>
           </a:p>
@@ -17214,18 +17198,17 @@
               <a:buChar char="•"/>
             </a:pPr>
             <a:r>
-              <a:rPr lang="en-US" sz="1800" dirty="0" smtClean="0"/>
+              <a:rPr lang="en-US" sz="1800" dirty="0"/>
               <a:t>Packet captures on ”</a:t>
             </a:r>
             <a:r>
-              <a:rPr lang="en-US" sz="1800" dirty="0" err="1" smtClean="0"/>
+              <a:rPr lang="en-US" sz="1800" dirty="0" err="1"/>
               <a:t>vinnovation</a:t>
             </a:r>
             <a:r>
-              <a:rPr lang="en-US" sz="1800" dirty="0" smtClean="0"/>
+              <a:rPr lang="en-US" sz="1800" dirty="0"/>
               <a:t>” network</a:t>
             </a:r>
-            <a:endParaRPr lang="en-US" sz="1800" dirty="0"/>
           </a:p>
         </p:txBody>
       </p:sp>
@@ -17349,7 +17332,7 @@
               <a:buNone/>
             </a:pPr>
             <a:r>
-              <a:rPr lang="en" sz="2800" b="1" dirty="0" smtClean="0">
+              <a:rPr lang="en" sz="2800" b="1" dirty="0">
                 <a:solidFill>
                   <a:schemeClr val="tx1"/>
                 </a:solidFill>
@@ -17413,7 +17396,7 @@
               <a:defRPr/>
             </a:pPr>
             <a:r>
-              <a:rPr kumimoji="0" lang="en-IN" sz="1800" i="0" u="none" strike="noStrike" kern="0" cap="none" spc="0" normalizeH="0" dirty="0" smtClean="0">
+              <a:rPr kumimoji="0" lang="en-IN" sz="1800" i="0" u="none" strike="noStrike" kern="0" cap="none" spc="0" normalizeH="0" dirty="0">
                 <a:ln>
                   <a:noFill/>
                 </a:ln>
@@ -17431,7 +17414,7 @@
               <a:t>Learns device </a:t>
             </a:r>
             <a:r>
-              <a:rPr kumimoji="0" lang="en-IN" sz="1800" i="0" u="none" strike="noStrike" kern="0" cap="none" spc="0" normalizeH="0" dirty="0" err="1" smtClean="0">
+              <a:rPr kumimoji="0" lang="en-IN" sz="1800" i="0" u="none" strike="noStrike" kern="0" cap="none" spc="0" normalizeH="0" dirty="0" err="1">
                 <a:ln>
                   <a:noFill/>
                 </a:ln>
@@ -17449,7 +17432,7 @@
               <a:t>behavior</a:t>
             </a:r>
             <a:r>
-              <a:rPr kumimoji="0" lang="en-IN" sz="1800" i="0" u="none" strike="noStrike" kern="0" cap="none" spc="0" normalizeH="0" dirty="0" smtClean="0">
+              <a:rPr kumimoji="0" lang="en-IN" sz="1800" i="0" u="none" strike="noStrike" kern="0" cap="none" spc="0" normalizeH="0" dirty="0">
                 <a:ln>
                   <a:noFill/>
                 </a:ln>
@@ -17488,7 +17471,7 @@
               <a:defRPr/>
             </a:pPr>
             <a:r>
-              <a:rPr lang="en-IN" sz="1800" dirty="0" smtClean="0">
+              <a:rPr lang="en-IN" sz="1800" dirty="0">
                 <a:solidFill>
                   <a:schemeClr val="tx1"/>
                 </a:solidFill>
@@ -17521,7 +17504,7 @@
               <a:defRPr/>
             </a:pPr>
             <a:r>
-              <a:rPr kumimoji="0" lang="en-IN" sz="1800" i="0" u="none" strike="noStrike" kern="0" cap="none" spc="0" normalizeH="0" dirty="0" smtClean="0">
+              <a:rPr kumimoji="0" lang="en-IN" sz="1800" i="0" u="none" strike="noStrike" kern="0" cap="none" spc="0" normalizeH="0" dirty="0">
                 <a:ln>
                   <a:noFill/>
                 </a:ln>
@@ -17560,7 +17543,7 @@
               <a:defRPr/>
             </a:pPr>
             <a:r>
-              <a:rPr lang="en-IN" sz="1800" dirty="0" smtClean="0">
+              <a:rPr lang="en-IN" sz="1800" dirty="0">
                 <a:solidFill>
                   <a:schemeClr val="tx1"/>
                 </a:solidFill>
@@ -17571,7 +17554,7 @@
               </a:rPr>
               <a:t>Validates IP address against DNS-based blacklists and IP reputation services</a:t>
             </a:r>
-            <a:endParaRPr kumimoji="0" lang="en-IN" sz="1800" i="0" u="none" strike="noStrike" kern="0" cap="none" spc="0" normalizeH="0" dirty="0" smtClean="0">
+            <a:endParaRPr kumimoji="0" lang="en-IN" sz="1800" i="0" u="none" strike="noStrike" kern="0" cap="none" spc="0" normalizeH="0" dirty="0">
               <a:ln>
                 <a:noFill/>
               </a:ln>
@@ -17607,7 +17590,7 @@
               <a:tabLst/>
               <a:defRPr/>
             </a:pPr>
-            <a:endParaRPr kumimoji="0" lang="en-IN" sz="1800" i="0" u="none" strike="noStrike" kern="0" cap="none" spc="0" normalizeH="0" dirty="0" smtClean="0">
+            <a:endParaRPr kumimoji="0" lang="en-IN" sz="1800" i="0" u="none" strike="noStrike" kern="0" cap="none" spc="0" normalizeH="0" dirty="0">
               <a:ln>
                 <a:noFill/>
               </a:ln>
@@ -17685,7 +17668,7 @@
               <a:buNone/>
             </a:pPr>
             <a:r>
-              <a:rPr lang="en-US" sz="2800" dirty="0" smtClean="0"/>
+              <a:rPr lang="en-US" sz="2800" dirty="0"/>
               <a:t>Future Work</a:t>
             </a:r>
             <a:endParaRPr dirty="0"/>
@@ -17798,7 +17781,7 @@
               <a:defRPr/>
             </a:pPr>
             <a:r>
-              <a:rPr kumimoji="0" lang="en-IN" sz="1800" i="0" u="none" strike="noStrike" kern="0" cap="none" spc="0" normalizeH="0" dirty="0" smtClean="0">
+              <a:rPr kumimoji="0" lang="en-IN" sz="1800" i="0" u="none" strike="noStrike" kern="0" cap="none" spc="0" normalizeH="0" dirty="0">
                 <a:ln>
                   <a:noFill/>
                 </a:ln>
@@ -17836,7 +17819,136 @@
               <a:tabLst/>
               <a:defRPr/>
             </a:pPr>
-            <a:endParaRPr kumimoji="0" lang="en-IN" sz="1800" i="0" u="none" strike="noStrike" kern="0" cap="none" spc="0" normalizeH="0" dirty="0" smtClean="0">
+            <a:r>
+              <a:rPr lang="en-IN" sz="1800" dirty="0">
+                <a:solidFill>
+                  <a:schemeClr val="tx1"/>
+                </a:solidFill>
+                <a:latin typeface="+mn-lt"/>
+                <a:ea typeface="Montserrat Light"/>
+                <a:cs typeface="Montserrat Light"/>
+                <a:sym typeface="Montserrat Light"/>
+              </a:rPr>
+              <a:t>Analyse payload data to prevent attacks from known hosts like malware hosted on cloud providers like AWS, GCP etc.</a:t>
+            </a:r>
+          </a:p>
+          <a:p>
+            <a:pPr marL="285750" marR="0" lvl="0" indent="-285750" defTabSz="914400" eaLnBrk="1" fontAlgn="auto" latinLnBrk="0" hangingPunct="1">
+              <a:lnSpc>
+                <a:spcPct val="100000"/>
+              </a:lnSpc>
+              <a:spcBef>
+                <a:spcPts val="600"/>
+              </a:spcBef>
+              <a:spcAft>
+                <a:spcPts val="0"/>
+              </a:spcAft>
+              <a:buClr>
+                <a:schemeClr val="tx1"/>
+              </a:buClr>
+              <a:buSzPts val="2200"/>
+              <a:buFont typeface="Arial" charset="0"/>
+              <a:buChar char="•"/>
+              <a:tabLst/>
+              <a:defRPr/>
+            </a:pPr>
+            <a:r>
+              <a:rPr kumimoji="0" lang="en-IN" sz="1800" i="0" u="none" strike="noStrike" kern="0" cap="none" spc="0" normalizeH="0" dirty="0">
+                <a:ln>
+                  <a:noFill/>
+                </a:ln>
+                <a:solidFill>
+                  <a:schemeClr val="tx1"/>
+                </a:solidFill>
+                <a:effectLst/>
+                <a:uLnTx/>
+                <a:uFillTx/>
+                <a:latin typeface="+mn-lt"/>
+                <a:ea typeface="Montserrat Light"/>
+                <a:cs typeface="Montserrat Light"/>
+                <a:sym typeface="Montserrat Light"/>
+              </a:rPr>
+              <a:t>Additionally </a:t>
+            </a:r>
+            <a:r>
+              <a:rPr lang="en-IN" sz="1800" dirty="0">
+                <a:solidFill>
+                  <a:schemeClr val="tx1"/>
+                </a:solidFill>
+                <a:latin typeface="+mn-lt"/>
+                <a:ea typeface="Montserrat Light"/>
+                <a:cs typeface="Montserrat Light"/>
+                <a:sym typeface="Montserrat Light"/>
+              </a:rPr>
+              <a:t>u</a:t>
+            </a:r>
+            <a:r>
+              <a:rPr kumimoji="0" lang="en-IN" sz="1800" i="0" u="none" strike="noStrike" kern="0" cap="none" spc="0" normalizeH="0" dirty="0">
+                <a:ln>
+                  <a:noFill/>
+                </a:ln>
+                <a:solidFill>
+                  <a:schemeClr val="tx1"/>
+                </a:solidFill>
+                <a:effectLst/>
+                <a:uLnTx/>
+                <a:uFillTx/>
+                <a:latin typeface="+mn-lt"/>
+                <a:ea typeface="Montserrat Light"/>
+                <a:cs typeface="Montserrat Light"/>
+                <a:sym typeface="Montserrat Light"/>
+              </a:rPr>
+              <a:t>se </a:t>
+            </a:r>
+            <a:r>
+              <a:rPr lang="en-IN" sz="1800" dirty="0">
+                <a:solidFill>
+                  <a:schemeClr val="tx1"/>
+                </a:solidFill>
+                <a:latin typeface="+mn-lt"/>
+                <a:ea typeface="Montserrat Light"/>
+                <a:cs typeface="Montserrat Light"/>
+                <a:sym typeface="Montserrat Light"/>
+              </a:rPr>
+              <a:t>DHCP fingerprint or SSH fingerprint to identify and categorize them.</a:t>
+            </a:r>
+            <a:endParaRPr kumimoji="0" lang="en-IN" sz="1800" i="0" u="none" strike="noStrike" kern="0" cap="none" spc="0" normalizeH="0" dirty="0">
+              <a:ln>
+                <a:noFill/>
+              </a:ln>
+              <a:solidFill>
+                <a:schemeClr val="tx1"/>
+              </a:solidFill>
+              <a:effectLst/>
+              <a:uLnTx/>
+              <a:uFillTx/>
+              <a:latin typeface="+mn-lt"/>
+              <a:ea typeface="Montserrat Light"/>
+              <a:cs typeface="Montserrat Light"/>
+              <a:sym typeface="Montserrat Light"/>
+            </a:endParaRPr>
+          </a:p>
+          <a:p>
+            <a:pPr marL="285750" marR="0" lvl="0" indent="-285750" defTabSz="914400" eaLnBrk="1" fontAlgn="auto" latinLnBrk="0" hangingPunct="1">
+              <a:lnSpc>
+                <a:spcPct val="100000"/>
+              </a:lnSpc>
+              <a:spcBef>
+                <a:spcPts val="600"/>
+              </a:spcBef>
+              <a:spcAft>
+                <a:spcPts val="0"/>
+              </a:spcAft>
+              <a:buClr>
+                <a:schemeClr val="tx1"/>
+              </a:buClr>
+              <a:buSzPts val="2200"/>
+              <a:buFont typeface="Arial" charset="0"/>
+              <a:buChar char="•"/>
+              <a:tabLst/>
+              <a:defRPr/>
+            </a:pPr>
+            <a:endParaRPr kumimoji="0" lang="en-IN" sz="1800" i="0" u="none" strike="noStrike" kern="0" cap="none" spc="0" normalizeH="0" dirty="0">
               <a:ln>
                 <a:noFill/>
               </a:ln>

--- a/Team1.pptx
+++ b/Team1.pptx
@@ -5,15 +5,17 @@
     <p:sldMasterId id="2147483660" r:id="rId1"/>
   </p:sldMasterIdLst>
   <p:notesMasterIdLst>
-    <p:notesMasterId r:id="rId8"/>
+    <p:notesMasterId r:id="rId10"/>
   </p:notesMasterIdLst>
   <p:sldIdLst>
     <p:sldId id="256" r:id="rId2"/>
     <p:sldId id="258" r:id="rId3"/>
     <p:sldId id="285" r:id="rId4"/>
-    <p:sldId id="288" r:id="rId5"/>
-    <p:sldId id="283" r:id="rId6"/>
-    <p:sldId id="270" r:id="rId7"/>
+    <p:sldId id="290" r:id="rId5"/>
+    <p:sldId id="288" r:id="rId6"/>
+    <p:sldId id="283" r:id="rId7"/>
+    <p:sldId id="289" r:id="rId8"/>
+    <p:sldId id="270" r:id="rId9"/>
   </p:sldIdLst>
   <p:sldSz cx="9144000" cy="5143500" type="screen16x9"/>
   <p:notesSz cx="6858000" cy="9144000"/>
@@ -1119,6 +1121,115 @@
     </p:spTree>
     <p:extLst>
       <p:ext uri="{BB962C8B-B14F-4D97-AF65-F5344CB8AC3E}">
+        <p14:creationId xmlns:p14="http://schemas.microsoft.com/office/powerpoint/2010/main" val="1934674376"/>
+      </p:ext>
+    </p:extLst>
+  </p:cSld>
+  <p:clrMapOvr>
+    <a:masterClrMapping/>
+  </p:clrMapOvr>
+</p:notes>
+</file>
+
+<file path=ppt/notesSlides/notesSlide5.xml><?xml version="1.0" encoding="utf-8"?>
+<p:notes xmlns:a="http://schemas.openxmlformats.org/drawingml/2006/main" xmlns:r="http://schemas.openxmlformats.org/officeDocument/2006/relationships" xmlns:p="http://schemas.openxmlformats.org/presentationml/2006/main" showMasterSp="0" showMasterPhAnim="0">
+  <p:cSld>
+    <p:spTree>
+      <p:nvGrpSpPr>
+        <p:cNvPr id="1" name="Shape 664"/>
+        <p:cNvGrpSpPr/>
+        <p:nvPr/>
+      </p:nvGrpSpPr>
+      <p:grpSpPr>
+        <a:xfrm>
+          <a:off x="0" y="0"/>
+          <a:ext cx="0" cy="0"/>
+          <a:chOff x="0" y="0"/>
+          <a:chExt cx="0" cy="0"/>
+        </a:xfrm>
+      </p:grpSpPr>
+      <p:sp>
+        <p:nvSpPr>
+          <p:cNvPr id="665" name="Shape 665"/>
+          <p:cNvSpPr>
+            <a:spLocks noGrp="1" noRot="1" noChangeAspect="1"/>
+          </p:cNvSpPr>
+          <p:nvPr>
+            <p:ph type="sldImg" idx="2"/>
+          </p:nvPr>
+        </p:nvSpPr>
+        <p:spPr>
+          <a:xfrm>
+            <a:off x="381000" y="685800"/>
+            <a:ext cx="6096000" cy="3429000"/>
+          </a:xfrm>
+          <a:custGeom>
+            <a:avLst/>
+            <a:gdLst/>
+            <a:ahLst/>
+            <a:cxnLst/>
+            <a:rect l="0" t="0" r="0" b="0"/>
+            <a:pathLst>
+              <a:path w="120000" h="120000" extrusionOk="0">
+                <a:moveTo>
+                  <a:pt x="0" y="0"/>
+                </a:moveTo>
+                <a:lnTo>
+                  <a:pt x="120000" y="0"/>
+                </a:lnTo>
+                <a:lnTo>
+                  <a:pt x="120000" y="120000"/>
+                </a:lnTo>
+                <a:lnTo>
+                  <a:pt x="0" y="120000"/>
+                </a:lnTo>
+                <a:close/>
+              </a:path>
+            </a:pathLst>
+          </a:custGeom>
+        </p:spPr>
+      </p:sp>
+      <p:sp>
+        <p:nvSpPr>
+          <p:cNvPr id="666" name="Shape 666"/>
+          <p:cNvSpPr txBox="1">
+            <a:spLocks noGrp="1"/>
+          </p:cNvSpPr>
+          <p:nvPr>
+            <p:ph type="body" idx="1"/>
+          </p:nvPr>
+        </p:nvSpPr>
+        <p:spPr>
+          <a:xfrm>
+            <a:off x="685800" y="4343400"/>
+            <a:ext cx="5486400" cy="4114800"/>
+          </a:xfrm>
+          <a:prstGeom prst="rect">
+            <a:avLst/>
+          </a:prstGeom>
+        </p:spPr>
+        <p:txBody>
+          <a:bodyPr spcFirstLastPara="1" wrap="square" lIns="91425" tIns="91425" rIns="91425" bIns="91425" anchor="t" anchorCtr="0">
+            <a:noAutofit/>
+          </a:bodyPr>
+          <a:lstStyle/>
+          <a:p>
+            <a:pPr marL="0" lvl="0" indent="0">
+              <a:spcBef>
+                <a:spcPts val="0"/>
+              </a:spcBef>
+              <a:spcAft>
+                <a:spcPts val="0"/>
+              </a:spcAft>
+              <a:buNone/>
+            </a:pPr>
+            <a:endParaRPr/>
+          </a:p>
+        </p:txBody>
+      </p:sp>
+    </p:spTree>
+    <p:extLst>
+      <p:ext uri="{BB962C8B-B14F-4D97-AF65-F5344CB8AC3E}">
         <p14:creationId xmlns:p14="http://schemas.microsoft.com/office/powerpoint/2010/main" val="1196557365"/>
       </p:ext>
     </p:extLst>
@@ -1129,7 +1240,7 @@
 </p:notes>
 </file>
 
-<file path=ppt/notesSlides/notesSlide5.xml><?xml version="1.0" encoding="utf-8"?>
+<file path=ppt/notesSlides/notesSlide6.xml><?xml version="1.0" encoding="utf-8"?>
 <p:notes xmlns:a="http://schemas.openxmlformats.org/drawingml/2006/main" xmlns:r="http://schemas.openxmlformats.org/officeDocument/2006/relationships" xmlns:p="http://schemas.openxmlformats.org/presentationml/2006/main" showMasterSp="0" showMasterPhAnim="0">
   <p:cSld>
     <p:spTree>
@@ -1233,7 +1344,116 @@
 </p:notes>
 </file>
 
-<file path=ppt/notesSlides/notesSlide6.xml><?xml version="1.0" encoding="utf-8"?>
+<file path=ppt/notesSlides/notesSlide7.xml><?xml version="1.0" encoding="utf-8"?>
+<p:notes xmlns:a="http://schemas.openxmlformats.org/drawingml/2006/main" xmlns:r="http://schemas.openxmlformats.org/officeDocument/2006/relationships" xmlns:p="http://schemas.openxmlformats.org/presentationml/2006/main" showMasterSp="0" showMasterPhAnim="0">
+  <p:cSld>
+    <p:spTree>
+      <p:nvGrpSpPr>
+        <p:cNvPr id="1" name="Shape 637"/>
+        <p:cNvGrpSpPr/>
+        <p:nvPr/>
+      </p:nvGrpSpPr>
+      <p:grpSpPr>
+        <a:xfrm>
+          <a:off x="0" y="0"/>
+          <a:ext cx="0" cy="0"/>
+          <a:chOff x="0" y="0"/>
+          <a:chExt cx="0" cy="0"/>
+        </a:xfrm>
+      </p:grpSpPr>
+      <p:sp>
+        <p:nvSpPr>
+          <p:cNvPr id="638" name="Shape 638"/>
+          <p:cNvSpPr>
+            <a:spLocks noGrp="1" noRot="1" noChangeAspect="1"/>
+          </p:cNvSpPr>
+          <p:nvPr>
+            <p:ph type="sldImg" idx="2"/>
+          </p:nvPr>
+        </p:nvSpPr>
+        <p:spPr>
+          <a:xfrm>
+            <a:off x="381000" y="685800"/>
+            <a:ext cx="6096000" cy="3429000"/>
+          </a:xfrm>
+          <a:custGeom>
+            <a:avLst/>
+            <a:gdLst/>
+            <a:ahLst/>
+            <a:cxnLst/>
+            <a:rect l="0" t="0" r="0" b="0"/>
+            <a:pathLst>
+              <a:path w="120000" h="120000" extrusionOk="0">
+                <a:moveTo>
+                  <a:pt x="0" y="0"/>
+                </a:moveTo>
+                <a:lnTo>
+                  <a:pt x="120000" y="0"/>
+                </a:lnTo>
+                <a:lnTo>
+                  <a:pt x="120000" y="120000"/>
+                </a:lnTo>
+                <a:lnTo>
+                  <a:pt x="0" y="120000"/>
+                </a:lnTo>
+                <a:close/>
+              </a:path>
+            </a:pathLst>
+          </a:custGeom>
+        </p:spPr>
+      </p:sp>
+      <p:sp>
+        <p:nvSpPr>
+          <p:cNvPr id="639" name="Shape 639"/>
+          <p:cNvSpPr txBox="1">
+            <a:spLocks noGrp="1"/>
+          </p:cNvSpPr>
+          <p:nvPr>
+            <p:ph type="body" idx="1"/>
+          </p:nvPr>
+        </p:nvSpPr>
+        <p:spPr>
+          <a:xfrm>
+            <a:off x="685800" y="4343400"/>
+            <a:ext cx="5486400" cy="4114800"/>
+          </a:xfrm>
+          <a:prstGeom prst="rect">
+            <a:avLst/>
+          </a:prstGeom>
+        </p:spPr>
+        <p:txBody>
+          <a:bodyPr spcFirstLastPara="1" wrap="square" lIns="91425" tIns="91425" rIns="91425" bIns="91425" anchor="t" anchorCtr="0">
+            <a:noAutofit/>
+          </a:bodyPr>
+          <a:lstStyle/>
+          <a:p>
+            <a:pPr marL="0" lvl="0" indent="0">
+              <a:spcBef>
+                <a:spcPts val="0"/>
+              </a:spcBef>
+              <a:spcAft>
+                <a:spcPts val="0"/>
+              </a:spcAft>
+              <a:buNone/>
+            </a:pPr>
+            <a:endParaRPr/>
+          </a:p>
+        </p:txBody>
+      </p:sp>
+    </p:spTree>
+    <p:extLst>
+      <p:ext uri="{BB962C8B-B14F-4D97-AF65-F5344CB8AC3E}">
+        <p14:creationId xmlns:p14="http://schemas.microsoft.com/office/powerpoint/2010/main" val="1063904260"/>
+      </p:ext>
+    </p:extLst>
+  </p:cSld>
+  <p:clrMapOvr>
+    <a:masterClrMapping/>
+  </p:clrMapOvr>
+</p:notes>
+</file>
+
+<file path=ppt/notesSlides/notesSlide8.xml><?xml version="1.0" encoding="utf-8"?>
 <p:notes xmlns:a="http://schemas.openxmlformats.org/drawingml/2006/main" xmlns:r="http://schemas.openxmlformats.org/officeDocument/2006/relationships" xmlns:p="http://schemas.openxmlformats.org/presentationml/2006/main" showMasterSp="0" showMasterPhAnim="0">
   <p:cSld>
     <p:spTree>
@@ -16566,42 +16786,21 @@
               <a:tabLst/>
               <a:defRPr/>
             </a:pPr>
-            <a:r>
-              <a:rPr kumimoji="0" lang="en-IN" sz="3200" b="1" i="0" u="none" strike="noStrike" kern="0" cap="none" spc="0" normalizeH="0" baseline="0" noProof="0" dirty="0">
-                <a:ln>
-                  <a:noFill/>
-                </a:ln>
-                <a:solidFill>
-                  <a:schemeClr val="bg1"/>
-                </a:solidFill>
-                <a:effectLst/>
-                <a:uLnTx/>
-                <a:uFillTx/>
-                <a:latin typeface="Maiandra GD" pitchFamily="34" charset="0"/>
-                <a:ea typeface="Montserrat"/>
-                <a:cs typeface="Montserrat"/>
-                <a:sym typeface="Montserrat"/>
-              </a:rPr>
-              <a:t>Internet</a:t>
-            </a:r>
-            <a:r>
-              <a:rPr kumimoji="0" lang="en-IN" sz="3200" b="1" i="0" u="none" strike="noStrike" kern="0" cap="none" spc="0" normalizeH="0" noProof="0" dirty="0">
-                <a:ln>
-                  <a:noFill/>
-                </a:ln>
-                <a:solidFill>
-                  <a:schemeClr val="bg1"/>
-                </a:solidFill>
-                <a:effectLst/>
-                <a:uLnTx/>
-                <a:uFillTx/>
-                <a:latin typeface="Maiandra GD" pitchFamily="34" charset="0"/>
-                <a:ea typeface="Montserrat"/>
-                <a:cs typeface="Montserrat"/>
-                <a:sym typeface="Montserrat"/>
-              </a:rPr>
-              <a:t> of Things</a:t>
-            </a:r>
+            <a:endParaRPr kumimoji="0" lang="en-IN" sz="3200" b="1" i="0" u="none" strike="noStrike" kern="0" cap="none" spc="0" normalizeH="0" noProof="0" dirty="0">
+              <a:ln>
+                <a:noFill/>
+              </a:ln>
+              <a:solidFill>
+                <a:schemeClr val="bg1"/>
+              </a:solidFill>
+              <a:effectLst/>
+              <a:uLnTx/>
+              <a:uFillTx/>
+              <a:latin typeface="Maiandra GD" pitchFamily="34" charset="0"/>
+              <a:ea typeface="Montserrat"/>
+              <a:cs typeface="Montserrat"/>
+              <a:sym typeface="Montserrat"/>
+            </a:endParaRPr>
           </a:p>
           <a:p>
             <a:pPr marL="0" marR="0" lvl="0" indent="0" algn="r" defTabSz="914400" rtl="0" eaLnBrk="1" fontAlgn="auto" latinLnBrk="0" hangingPunct="1">
@@ -16624,6 +16823,18 @@
               <a:defRPr/>
             </a:pPr>
             <a:r>
+              <a:rPr lang="en-IN" sz="3200" b="1" baseline="0" dirty="0" smtClean="0">
+                <a:solidFill>
+                  <a:schemeClr val="tx1"/>
+                </a:solidFill>
+                <a:latin typeface="Maiandra GD" pitchFamily="34" charset="0"/>
+                <a:ea typeface="Montserrat"/>
+                <a:cs typeface="Montserrat"/>
+                <a:sym typeface="Montserrat"/>
+              </a:rPr>
+              <a:t>Team </a:t>
+            </a:r>
+            <a:r>
               <a:rPr lang="en-IN" sz="3200" b="1" baseline="0" dirty="0">
                 <a:solidFill>
                   <a:schemeClr val="tx1"/>
@@ -16633,7 +16844,7 @@
                 <a:cs typeface="Montserrat"/>
                 <a:sym typeface="Montserrat"/>
               </a:rPr>
-              <a:t>-Team 1</a:t>
+              <a:t>1</a:t>
             </a:r>
             <a:endParaRPr kumimoji="0" lang="en-IN" sz="3200" b="1" i="0" u="none" strike="noStrike" kern="0" cap="none" spc="0" normalizeH="0" baseline="0" noProof="0" dirty="0">
               <a:ln>
@@ -16690,7 +16901,7 @@
         </p:nvSpPr>
         <p:spPr>
           <a:xfrm>
-            <a:off x="251520" y="51470"/>
+            <a:off x="251520" y="123478"/>
             <a:ext cx="5832648" cy="504056"/>
           </a:xfrm>
           <a:prstGeom prst="rect">
@@ -16799,7 +17010,7 @@
         </p:nvSpPr>
         <p:spPr>
           <a:xfrm>
-            <a:off x="323528" y="843558"/>
+            <a:off x="395536" y="771550"/>
             <a:ext cx="5832648" cy="3384376"/>
           </a:xfrm>
           <a:prstGeom prst="rect">
@@ -17071,6 +17282,303 @@
               <a:buNone/>
             </a:pPr>
             <a:r>
+              <a:rPr lang="en-US" sz="2800" dirty="0" smtClean="0">
+                <a:solidFill>
+                  <a:schemeClr val="tx1"/>
+                </a:solidFill>
+              </a:rPr>
+              <a:t>Approach</a:t>
+            </a:r>
+            <a:endParaRPr sz="4000" dirty="0">
+              <a:solidFill>
+                <a:schemeClr val="tx1"/>
+              </a:solidFill>
+            </a:endParaRPr>
+          </a:p>
+        </p:txBody>
+      </p:sp>
+      <p:sp>
+        <p:nvSpPr>
+          <p:cNvPr id="683" name="Shape 683"/>
+          <p:cNvSpPr txBox="1">
+            <a:spLocks noGrp="1"/>
+          </p:cNvSpPr>
+          <p:nvPr>
+            <p:ph type="sldNum" idx="12"/>
+          </p:nvPr>
+        </p:nvSpPr>
+        <p:spPr>
+          <a:xfrm>
+            <a:off x="8556784" y="4749851"/>
+            <a:ext cx="548700" cy="393600"/>
+          </a:xfrm>
+          <a:prstGeom prst="rect">
+            <a:avLst/>
+          </a:prstGeom>
+        </p:spPr>
+        <p:txBody>
+          <a:bodyPr spcFirstLastPara="1" wrap="square" lIns="91425" tIns="91425" rIns="91425" bIns="91425" anchor="ctr" anchorCtr="0">
+            <a:noAutofit/>
+          </a:bodyPr>
+          <a:lstStyle/>
+          <a:p>
+            <a:pPr marL="0" lvl="0" indent="0">
+              <a:spcBef>
+                <a:spcPts val="0"/>
+              </a:spcBef>
+              <a:spcAft>
+                <a:spcPts val="0"/>
+              </a:spcAft>
+              <a:buNone/>
+            </a:pPr>
+            <a:fld id="{00000000-1234-1234-1234-123412341234}" type="slidenum">
+              <a:rPr lang="en">
+                <a:solidFill>
+                  <a:schemeClr val="tx1"/>
+                </a:solidFill>
+              </a:rPr>
+              <a:pPr marL="0" lvl="0" indent="0">
+                <a:spcBef>
+                  <a:spcPts val="0"/>
+                </a:spcBef>
+                <a:spcAft>
+                  <a:spcPts val="0"/>
+                </a:spcAft>
+                <a:buNone/>
+              </a:pPr>
+              <a:t>4</a:t>
+            </a:fld>
+            <a:endParaRPr dirty="0">
+              <a:solidFill>
+                <a:schemeClr val="tx1"/>
+              </a:solidFill>
+            </a:endParaRPr>
+          </a:p>
+        </p:txBody>
+      </p:sp>
+      <p:sp>
+        <p:nvSpPr>
+          <p:cNvPr id="4" name="TextBox 3"/>
+          <p:cNvSpPr txBox="1"/>
+          <p:nvPr/>
+        </p:nvSpPr>
+        <p:spPr>
+          <a:xfrm>
+            <a:off x="539552" y="987574"/>
+            <a:ext cx="8017232" cy="2308324"/>
+          </a:xfrm>
+          <a:prstGeom prst="rect">
+            <a:avLst/>
+          </a:prstGeom>
+          <a:noFill/>
+        </p:spPr>
+        <p:txBody>
+          <a:bodyPr wrap="square" rtlCol="0">
+            <a:spAutoFit/>
+          </a:bodyPr>
+          <a:lstStyle/>
+          <a:p>
+            <a:pPr marL="285750" marR="0" lvl="0" indent="-285750" defTabSz="914400" eaLnBrk="1" fontAlgn="auto" latinLnBrk="0" hangingPunct="1">
+              <a:lnSpc>
+                <a:spcPct val="100000"/>
+              </a:lnSpc>
+              <a:spcBef>
+                <a:spcPts val="0"/>
+              </a:spcBef>
+              <a:spcAft>
+                <a:spcPts val="0"/>
+              </a:spcAft>
+              <a:buClrTx/>
+              <a:buSzTx/>
+              <a:buFont typeface="Arial" charset="0"/>
+              <a:buNone/>
+              <a:tabLst/>
+              <a:defRPr/>
+            </a:pPr>
+            <a:r>
+              <a:rPr lang="en-US" sz="1800" dirty="0" smtClean="0"/>
+              <a:t>Policies</a:t>
+            </a:r>
+          </a:p>
+          <a:p>
+            <a:pPr marL="285750" marR="0" lvl="0" indent="-285750" defTabSz="914400" eaLnBrk="1" fontAlgn="auto" latinLnBrk="0" hangingPunct="1">
+              <a:lnSpc>
+                <a:spcPct val="100000"/>
+              </a:lnSpc>
+              <a:spcBef>
+                <a:spcPts val="0"/>
+              </a:spcBef>
+              <a:spcAft>
+                <a:spcPts val="0"/>
+              </a:spcAft>
+              <a:buClrTx/>
+              <a:buSzTx/>
+              <a:buFont typeface="Arial" charset="0"/>
+              <a:buChar char="•"/>
+              <a:tabLst/>
+              <a:defRPr/>
+            </a:pPr>
+            <a:r>
+              <a:rPr lang="en-US" sz="1800" dirty="0" smtClean="0"/>
+              <a:t>Block connections when source or destination IP address is blacklisted</a:t>
+            </a:r>
+          </a:p>
+          <a:p>
+            <a:pPr marL="285750" marR="0" lvl="0" indent="-285750" defTabSz="914400" eaLnBrk="1" fontAlgn="auto" latinLnBrk="0" hangingPunct="1">
+              <a:lnSpc>
+                <a:spcPct val="100000"/>
+              </a:lnSpc>
+              <a:spcBef>
+                <a:spcPts val="0"/>
+              </a:spcBef>
+              <a:spcAft>
+                <a:spcPts val="0"/>
+              </a:spcAft>
+              <a:buClrTx/>
+              <a:buSzTx/>
+              <a:buFont typeface="Arial" charset="0"/>
+              <a:buChar char="•"/>
+              <a:tabLst/>
+              <a:defRPr/>
+            </a:pPr>
+            <a:r>
+              <a:rPr lang="en-US" sz="1800" dirty="0" smtClean="0"/>
+              <a:t>Allow connections between known devices and known hosts for that device</a:t>
+            </a:r>
+          </a:p>
+          <a:p>
+            <a:pPr marL="285750" marR="0" lvl="0" indent="-285750" defTabSz="914400" eaLnBrk="1" fontAlgn="auto" latinLnBrk="0" hangingPunct="1">
+              <a:lnSpc>
+                <a:spcPct val="100000"/>
+              </a:lnSpc>
+              <a:spcBef>
+                <a:spcPts val="0"/>
+              </a:spcBef>
+              <a:spcAft>
+                <a:spcPts val="0"/>
+              </a:spcAft>
+              <a:buClrTx/>
+              <a:buSzTx/>
+              <a:buFont typeface="Arial" charset="0"/>
+              <a:buChar char="•"/>
+              <a:tabLst/>
+              <a:defRPr/>
+            </a:pPr>
+            <a:endParaRPr lang="en-US" sz="1800" dirty="0"/>
+          </a:p>
+          <a:p>
+            <a:pPr marL="285750" marR="0" lvl="0" indent="-285750" defTabSz="914400" eaLnBrk="1" fontAlgn="auto" latinLnBrk="0" hangingPunct="1">
+              <a:lnSpc>
+                <a:spcPct val="100000"/>
+              </a:lnSpc>
+              <a:spcBef>
+                <a:spcPts val="0"/>
+              </a:spcBef>
+              <a:spcAft>
+                <a:spcPts val="0"/>
+              </a:spcAft>
+              <a:buClrTx/>
+              <a:buSzTx/>
+              <a:buFont typeface="Arial" charset="0"/>
+              <a:buChar char="•"/>
+              <a:tabLst/>
+              <a:defRPr/>
+            </a:pPr>
+            <a:endParaRPr lang="en-US" sz="1800" dirty="0" smtClean="0"/>
+          </a:p>
+          <a:p>
+            <a:pPr marR="0" lvl="0" defTabSz="914400" eaLnBrk="1" fontAlgn="auto" latinLnBrk="0" hangingPunct="1">
+              <a:lnSpc>
+                <a:spcPct val="100000"/>
+              </a:lnSpc>
+              <a:spcBef>
+                <a:spcPts val="0"/>
+              </a:spcBef>
+              <a:spcAft>
+                <a:spcPts val="0"/>
+              </a:spcAft>
+              <a:buClrTx/>
+              <a:buSzTx/>
+              <a:tabLst/>
+              <a:defRPr/>
+            </a:pPr>
+            <a:r>
+              <a:rPr lang="en-US" sz="1800" dirty="0" smtClean="0"/>
+              <a:t>Note: Unseen devices are identified as a device category and the device is considered as a known device after understanding </a:t>
+            </a:r>
+            <a:r>
+              <a:rPr lang="en-US" sz="1800" smtClean="0"/>
+              <a:t>its behavior</a:t>
+            </a:r>
+            <a:endParaRPr lang="en-US" sz="1800" dirty="0" smtClean="0"/>
+          </a:p>
+        </p:txBody>
+      </p:sp>
+    </p:spTree>
+    <p:extLst>
+      <p:ext uri="{BB962C8B-B14F-4D97-AF65-F5344CB8AC3E}">
+        <p14:creationId xmlns:p14="http://schemas.microsoft.com/office/powerpoint/2010/main" val="530757081"/>
+      </p:ext>
+    </p:extLst>
+  </p:cSld>
+  <p:clrMapOvr>
+    <a:masterClrMapping/>
+  </p:clrMapOvr>
+</p:sld>
+</file>
+
+<file path=ppt/slides/slide5.xml><?xml version="1.0" encoding="utf-8"?>
+<p:sld xmlns:a="http://schemas.openxmlformats.org/drawingml/2006/main" xmlns:r="http://schemas.openxmlformats.org/officeDocument/2006/relationships" xmlns:p="http://schemas.openxmlformats.org/presentationml/2006/main">
+  <p:cSld>
+    <p:spTree>
+      <p:nvGrpSpPr>
+        <p:cNvPr id="1" name="Shape 667"/>
+        <p:cNvGrpSpPr/>
+        <p:nvPr/>
+      </p:nvGrpSpPr>
+      <p:grpSpPr>
+        <a:xfrm>
+          <a:off x="0" y="0"/>
+          <a:ext cx="0" cy="0"/>
+          <a:chOff x="0" y="0"/>
+          <a:chExt cx="0" cy="0"/>
+        </a:xfrm>
+      </p:grpSpPr>
+      <p:sp>
+        <p:nvSpPr>
+          <p:cNvPr id="668" name="Shape 668"/>
+          <p:cNvSpPr txBox="1">
+            <a:spLocks noGrp="1"/>
+          </p:cNvSpPr>
+          <p:nvPr>
+            <p:ph type="ctrTitle" idx="4294967295"/>
+          </p:nvPr>
+        </p:nvSpPr>
+        <p:spPr>
+          <a:xfrm>
+            <a:off x="251520" y="123478"/>
+            <a:ext cx="3795900" cy="648072"/>
+          </a:xfrm>
+          <a:prstGeom prst="rect">
+            <a:avLst/>
+          </a:prstGeom>
+        </p:spPr>
+        <p:txBody>
+          <a:bodyPr spcFirstLastPara="1" wrap="square" lIns="91425" tIns="91425" rIns="91425" bIns="91425" anchor="b" anchorCtr="0">
+            <a:noAutofit/>
+          </a:bodyPr>
+          <a:lstStyle/>
+          <a:p>
+            <a:pPr marL="0" lvl="0" indent="0" rtl="0">
+              <a:spcBef>
+                <a:spcPts val="0"/>
+              </a:spcBef>
+              <a:spcAft>
+                <a:spcPts val="0"/>
+              </a:spcAft>
+              <a:buNone/>
+            </a:pPr>
+            <a:r>
               <a:rPr lang="en-US" sz="2800" dirty="0">
                 <a:solidFill>
                   <a:schemeClr val="tx1"/>
@@ -17135,7 +17643,7 @@
                 </a:spcAft>
                 <a:buNone/>
               </a:pPr>
-              <a:t>4</a:t>
+              <a:t>5</a:t>
             </a:fld>
             <a:endParaRPr dirty="0">
               <a:solidFill>
@@ -17202,12 +17710,16 @@
               <a:t>Packet captures on ”</a:t>
             </a:r>
             <a:r>
-              <a:rPr lang="en-US" sz="1800" dirty="0" err="1"/>
+              <a:rPr lang="en-US" sz="1800" dirty="0" err="1" smtClean="0"/>
               <a:t>vinnovation</a:t>
             </a:r>
             <a:r>
+              <a:rPr lang="en-US" sz="1800" dirty="0" smtClean="0"/>
+              <a:t>*” </a:t>
+            </a:r>
+            <a:r>
               <a:rPr lang="en-US" sz="1800" dirty="0"/>
-              <a:t>” network</a:t>
+              <a:t>network</a:t>
             </a:r>
           </a:p>
         </p:txBody>
@@ -17225,7 +17737,7 @@
 </p:sld>
 </file>
 
-<file path=ppt/slides/slide5.xml><?xml version="1.0" encoding="utf-8"?>
+<file path=ppt/slides/slide6.xml><?xml version="1.0" encoding="utf-8"?>
 <p:sld xmlns:a="http://schemas.openxmlformats.org/drawingml/2006/main" xmlns:r="http://schemas.openxmlformats.org/officeDocument/2006/relationships" xmlns:p="http://schemas.openxmlformats.org/presentationml/2006/main">
   <p:cSld>
     <p:spTree>
@@ -17287,7 +17799,7 @@
                 </a:spcAft>
                 <a:buNone/>
               </a:pPr>
-              <a:t>5</a:t>
+              <a:t>6</a:t>
             </a:fld>
             <a:endParaRPr dirty="0">
               <a:solidFill>
@@ -17504,6 +18016,36 @@
               <a:defRPr/>
             </a:pPr>
             <a:r>
+              <a:rPr lang="en-IN" sz="1800" dirty="0" smtClean="0">
+                <a:solidFill>
+                  <a:schemeClr val="tx1"/>
+                </a:solidFill>
+                <a:latin typeface="+mn-lt"/>
+                <a:ea typeface="Montserrat Light"/>
+                <a:cs typeface="Montserrat Light"/>
+                <a:sym typeface="Montserrat Light"/>
+              </a:rPr>
+              <a:t>Policies m</a:t>
+            </a:r>
+            <a:r>
+              <a:rPr kumimoji="0" lang="en-IN" sz="1800" i="0" u="none" strike="noStrike" kern="0" cap="none" spc="0" normalizeH="0" dirty="0" smtClean="0">
+                <a:ln>
+                  <a:noFill/>
+                </a:ln>
+                <a:solidFill>
+                  <a:schemeClr val="tx1"/>
+                </a:solidFill>
+                <a:effectLst/>
+                <a:uLnTx/>
+                <a:uFillTx/>
+                <a:latin typeface="+mn-lt"/>
+                <a:ea typeface="Montserrat Light"/>
+                <a:cs typeface="Montserrat Light"/>
+                <a:sym typeface="Montserrat Light"/>
+              </a:rPr>
+              <a:t>ake </a:t>
+            </a:r>
+            <a:r>
               <a:rPr kumimoji="0" lang="en-IN" sz="1800" i="0" u="none" strike="noStrike" kern="0" cap="none" spc="0" normalizeH="0" dirty="0">
                 <a:ln>
                   <a:noFill/>
@@ -17519,7 +18061,7 @@
                 <a:cs typeface="Montserrat Light"/>
                 <a:sym typeface="Montserrat Light"/>
               </a:rPr>
-              <a:t>Makes use of hostname instead of IP address</a:t>
+              <a:t>use of hostname instead of IP address</a:t>
             </a:r>
           </a:p>
           <a:p>
@@ -17616,7 +18158,313 @@
 </p:sld>
 </file>
 
-<file path=ppt/slides/slide6.xml><?xml version="1.0" encoding="utf-8"?>
+<file path=ppt/slides/slide7.xml><?xml version="1.0" encoding="utf-8"?>
+<p:sld xmlns:a="http://schemas.openxmlformats.org/drawingml/2006/main" xmlns:r="http://schemas.openxmlformats.org/officeDocument/2006/relationships" xmlns:p="http://schemas.openxmlformats.org/presentationml/2006/main">
+  <p:cSld>
+    <p:spTree>
+      <p:nvGrpSpPr>
+        <p:cNvPr id="1" name="Shape 640"/>
+        <p:cNvGrpSpPr/>
+        <p:nvPr/>
+      </p:nvGrpSpPr>
+      <p:grpSpPr>
+        <a:xfrm>
+          <a:off x="0" y="0"/>
+          <a:ext cx="0" cy="0"/>
+          <a:chOff x="0" y="0"/>
+          <a:chExt cx="0" cy="0"/>
+        </a:xfrm>
+      </p:grpSpPr>
+      <p:sp>
+        <p:nvSpPr>
+          <p:cNvPr id="643" name="Shape 643"/>
+          <p:cNvSpPr txBox="1">
+            <a:spLocks noGrp="1"/>
+          </p:cNvSpPr>
+          <p:nvPr>
+            <p:ph type="sldNum" idx="12"/>
+          </p:nvPr>
+        </p:nvSpPr>
+        <p:spPr>
+          <a:prstGeom prst="rect">
+            <a:avLst/>
+          </a:prstGeom>
+        </p:spPr>
+        <p:txBody>
+          <a:bodyPr spcFirstLastPara="1" wrap="square" lIns="91425" tIns="91425" rIns="91425" bIns="91425" anchor="ctr" anchorCtr="0">
+            <a:noAutofit/>
+          </a:bodyPr>
+          <a:lstStyle/>
+          <a:p>
+            <a:pPr marL="0" lvl="0" indent="0">
+              <a:spcBef>
+                <a:spcPts val="0"/>
+              </a:spcBef>
+              <a:spcAft>
+                <a:spcPts val="0"/>
+              </a:spcAft>
+              <a:buNone/>
+            </a:pPr>
+            <a:fld id="{00000000-1234-1234-1234-123412341234}" type="slidenum">
+              <a:rPr lang="en">
+                <a:solidFill>
+                  <a:schemeClr val="tx1"/>
+                </a:solidFill>
+              </a:rPr>
+              <a:pPr marL="0" lvl="0" indent="0">
+                <a:spcBef>
+                  <a:spcPts val="0"/>
+                </a:spcBef>
+                <a:spcAft>
+                  <a:spcPts val="0"/>
+                </a:spcAft>
+                <a:buNone/>
+              </a:pPr>
+              <a:t>7</a:t>
+            </a:fld>
+            <a:endParaRPr dirty="0">
+              <a:solidFill>
+                <a:schemeClr val="tx1"/>
+              </a:solidFill>
+            </a:endParaRPr>
+          </a:p>
+        </p:txBody>
+      </p:sp>
+      <p:sp>
+        <p:nvSpPr>
+          <p:cNvPr id="642" name="Shape 642"/>
+          <p:cNvSpPr txBox="1">
+            <a:spLocks noGrp="1"/>
+          </p:cNvSpPr>
+          <p:nvPr>
+            <p:ph type="subTitle" idx="4294967295"/>
+          </p:nvPr>
+        </p:nvSpPr>
+        <p:spPr>
+          <a:xfrm>
+            <a:off x="179512" y="122833"/>
+            <a:ext cx="5834063" cy="720725"/>
+          </a:xfrm>
+          <a:prstGeom prst="rect">
+            <a:avLst/>
+          </a:prstGeom>
+        </p:spPr>
+        <p:txBody>
+          <a:bodyPr spcFirstLastPara="1" wrap="square" lIns="91425" tIns="91425" rIns="91425" bIns="91425" anchor="t" anchorCtr="0">
+            <a:noAutofit/>
+          </a:bodyPr>
+          <a:lstStyle/>
+          <a:p>
+            <a:pPr marL="0" lvl="0" indent="0" rtl="0">
+              <a:spcBef>
+                <a:spcPts val="600"/>
+              </a:spcBef>
+              <a:spcAft>
+                <a:spcPts val="0"/>
+              </a:spcAft>
+              <a:buNone/>
+            </a:pPr>
+            <a:r>
+              <a:rPr lang="en-US" sz="2800" b="1" dirty="0" smtClean="0">
+                <a:solidFill>
+                  <a:schemeClr val="tx1"/>
+                </a:solidFill>
+                <a:latin typeface="Montserrat"/>
+                <a:sym typeface="Montserrat"/>
+              </a:rPr>
+              <a:t>Results on Test Data</a:t>
+            </a:r>
+            <a:endParaRPr sz="1800" b="1" dirty="0">
+              <a:solidFill>
+                <a:schemeClr val="tx1"/>
+              </a:solidFill>
+            </a:endParaRPr>
+          </a:p>
+        </p:txBody>
+      </p:sp>
+      <p:sp>
+        <p:nvSpPr>
+          <p:cNvPr id="4" name="Shape 642"/>
+          <p:cNvSpPr txBox="1">
+            <a:spLocks/>
+          </p:cNvSpPr>
+          <p:nvPr/>
+        </p:nvSpPr>
+        <p:spPr>
+          <a:xfrm>
+            <a:off x="323528" y="699542"/>
+            <a:ext cx="8352928" cy="3096344"/>
+          </a:xfrm>
+          <a:prstGeom prst="rect">
+            <a:avLst/>
+          </a:prstGeom>
+          <a:noFill/>
+          <a:ln>
+            <a:noFill/>
+          </a:ln>
+        </p:spPr>
+        <p:txBody>
+          <a:bodyPr spcFirstLastPara="1" wrap="square" lIns="91425" tIns="91425" rIns="91425" bIns="91425" anchor="t" anchorCtr="0">
+            <a:noAutofit/>
+          </a:bodyPr>
+          <a:lstStyle/>
+          <a:p>
+            <a:pPr marL="285750" marR="0" lvl="0" indent="-285750" defTabSz="914400" eaLnBrk="1" fontAlgn="auto" latinLnBrk="0" hangingPunct="1">
+              <a:lnSpc>
+                <a:spcPct val="100000"/>
+              </a:lnSpc>
+              <a:spcBef>
+                <a:spcPts val="600"/>
+              </a:spcBef>
+              <a:spcAft>
+                <a:spcPts val="0"/>
+              </a:spcAft>
+              <a:buClr>
+                <a:schemeClr val="tx1"/>
+              </a:buClr>
+              <a:buSzPts val="2200"/>
+              <a:buFont typeface="Arial" charset="0"/>
+              <a:buChar char="•"/>
+              <a:tabLst/>
+              <a:defRPr/>
+            </a:pPr>
+            <a:r>
+              <a:rPr kumimoji="0" lang="en-IN" sz="1800" i="0" u="none" strike="noStrike" kern="0" cap="none" spc="0" normalizeH="0" dirty="0" smtClean="0">
+                <a:ln>
+                  <a:noFill/>
+                </a:ln>
+                <a:solidFill>
+                  <a:schemeClr val="tx1"/>
+                </a:solidFill>
+                <a:effectLst/>
+                <a:uLnTx/>
+                <a:uFillTx/>
+                <a:latin typeface="+mn-lt"/>
+                <a:ea typeface="Montserrat Light"/>
+                <a:cs typeface="Montserrat Light"/>
+                <a:sym typeface="Montserrat Light"/>
+              </a:rPr>
+              <a:t>Detected three out of the four malicious packets</a:t>
+            </a:r>
+          </a:p>
+          <a:p>
+            <a:pPr marL="285750" marR="0" lvl="0" indent="-285750" defTabSz="914400" eaLnBrk="1" fontAlgn="auto" latinLnBrk="0" hangingPunct="1">
+              <a:lnSpc>
+                <a:spcPct val="100000"/>
+              </a:lnSpc>
+              <a:spcBef>
+                <a:spcPts val="600"/>
+              </a:spcBef>
+              <a:spcAft>
+                <a:spcPts val="0"/>
+              </a:spcAft>
+              <a:buClr>
+                <a:schemeClr val="tx1"/>
+              </a:buClr>
+              <a:buSzPts val="2200"/>
+              <a:buFont typeface="Arial" charset="0"/>
+              <a:buChar char="•"/>
+              <a:tabLst/>
+              <a:defRPr/>
+            </a:pPr>
+            <a:r>
+              <a:rPr lang="en-IN" sz="1800" dirty="0" smtClean="0">
+                <a:solidFill>
+                  <a:schemeClr val="tx1"/>
+                </a:solidFill>
+                <a:latin typeface="+mn-lt"/>
+                <a:ea typeface="Montserrat Light"/>
+                <a:cs typeface="Montserrat Light"/>
+                <a:sym typeface="Montserrat Light"/>
+              </a:rPr>
+              <a:t>Blocked 235 packets out of 673k packets</a:t>
+            </a:r>
+          </a:p>
+          <a:p>
+            <a:pPr marL="285750" marR="0" lvl="0" indent="-285750" defTabSz="914400" eaLnBrk="1" fontAlgn="auto" latinLnBrk="0" hangingPunct="1">
+              <a:lnSpc>
+                <a:spcPct val="100000"/>
+              </a:lnSpc>
+              <a:spcBef>
+                <a:spcPts val="600"/>
+              </a:spcBef>
+              <a:spcAft>
+                <a:spcPts val="0"/>
+              </a:spcAft>
+              <a:buClr>
+                <a:schemeClr val="tx1"/>
+              </a:buClr>
+              <a:buSzPts val="2200"/>
+              <a:buFont typeface="Arial" charset="0"/>
+              <a:buChar char="•"/>
+              <a:tabLst/>
+              <a:defRPr/>
+            </a:pPr>
+            <a:r>
+              <a:rPr lang="en-IN" sz="1800" dirty="0" smtClean="0">
+                <a:solidFill>
+                  <a:schemeClr val="tx1"/>
+                </a:solidFill>
+                <a:latin typeface="+mn-lt"/>
+                <a:ea typeface="Montserrat Light"/>
+                <a:cs typeface="Montserrat Light"/>
+                <a:sym typeface="Montserrat Light"/>
+              </a:rPr>
+              <a:t>Categorized test packets at ~1,200 packets per second</a:t>
+            </a:r>
+          </a:p>
+          <a:p>
+            <a:pPr marL="285750" marR="0" lvl="0" indent="-285750" defTabSz="914400" eaLnBrk="1" fontAlgn="auto" latinLnBrk="0" hangingPunct="1">
+              <a:lnSpc>
+                <a:spcPct val="100000"/>
+              </a:lnSpc>
+              <a:spcBef>
+                <a:spcPts val="600"/>
+              </a:spcBef>
+              <a:spcAft>
+                <a:spcPts val="0"/>
+              </a:spcAft>
+              <a:buClr>
+                <a:schemeClr val="tx1"/>
+              </a:buClr>
+              <a:buSzPts val="2200"/>
+              <a:buFont typeface="Arial" charset="0"/>
+              <a:buChar char="•"/>
+              <a:tabLst/>
+              <a:defRPr/>
+            </a:pPr>
+            <a:endParaRPr kumimoji="0" lang="en-IN" sz="1800" i="0" u="none" strike="noStrike" kern="0" cap="none" spc="0" normalizeH="0" dirty="0">
+              <a:ln>
+                <a:noFill/>
+              </a:ln>
+              <a:solidFill>
+                <a:schemeClr val="tx1"/>
+              </a:solidFill>
+              <a:effectLst/>
+              <a:uLnTx/>
+              <a:uFillTx/>
+              <a:latin typeface="+mn-lt"/>
+              <a:ea typeface="Montserrat Light"/>
+              <a:cs typeface="Montserrat Light"/>
+              <a:sym typeface="Montserrat Light"/>
+            </a:endParaRPr>
+          </a:p>
+        </p:txBody>
+      </p:sp>
+    </p:spTree>
+    <p:extLst>
+      <p:ext uri="{BB962C8B-B14F-4D97-AF65-F5344CB8AC3E}">
+        <p14:creationId xmlns:p14="http://schemas.microsoft.com/office/powerpoint/2010/main" val="847199410"/>
+      </p:ext>
+    </p:extLst>
+  </p:cSld>
+  <p:clrMapOvr>
+    <a:masterClrMapping/>
+  </p:clrMapOvr>
+</p:sld>
+</file>
+
+<file path=ppt/slides/slide8.xml><?xml version="1.0" encoding="utf-8"?>
 <p:sld xmlns:a="http://schemas.openxmlformats.org/drawingml/2006/main" xmlns:r="http://schemas.openxmlformats.org/officeDocument/2006/relationships" xmlns:p="http://schemas.openxmlformats.org/presentationml/2006/main">
   <p:cSld>
     <p:spTree>
@@ -17724,7 +18572,7 @@
                 </a:spcAft>
                 <a:buNone/>
               </a:pPr>
-              <a:t>6</a:t>
+              <a:t>8</a:t>
             </a:fld>
             <a:endParaRPr dirty="0">
               <a:solidFill>
@@ -17829,8 +18677,53 @@
                 <a:cs typeface="Montserrat Light"/>
                 <a:sym typeface="Montserrat Light"/>
               </a:rPr>
-              <a:t>Analyse payload data to prevent attacks from known hosts like malware hosted on cloud providers like AWS, GCP etc.</a:t>
+              <a:t>Analyse payload data to prevent attacks from </a:t>
             </a:r>
+            <a:r>
+              <a:rPr lang="en-IN" sz="1800" dirty="0" smtClean="0">
+                <a:solidFill>
+                  <a:schemeClr val="tx1"/>
+                </a:solidFill>
+                <a:latin typeface="+mn-lt"/>
+                <a:ea typeface="Montserrat Light"/>
+                <a:cs typeface="Montserrat Light"/>
+                <a:sym typeface="Montserrat Light"/>
+              </a:rPr>
+              <a:t>malware </a:t>
+            </a:r>
+            <a:r>
+              <a:rPr lang="en-IN" sz="1800" dirty="0">
+                <a:solidFill>
+                  <a:schemeClr val="tx1"/>
+                </a:solidFill>
+                <a:latin typeface="+mn-lt"/>
+                <a:ea typeface="Montserrat Light"/>
+                <a:cs typeface="Montserrat Light"/>
+                <a:sym typeface="Montserrat Light"/>
+              </a:rPr>
+              <a:t>hosted on cloud providers like AWS, GCP </a:t>
+            </a:r>
+            <a:r>
+              <a:rPr lang="en-IN" sz="1800" dirty="0" smtClean="0">
+                <a:solidFill>
+                  <a:schemeClr val="tx1"/>
+                </a:solidFill>
+                <a:latin typeface="+mn-lt"/>
+                <a:ea typeface="Montserrat Light"/>
+                <a:cs typeface="Montserrat Light"/>
+                <a:sym typeface="Montserrat Light"/>
+              </a:rPr>
+              <a:t>etc.</a:t>
+            </a:r>
+            <a:endParaRPr lang="en-IN" sz="1800" dirty="0">
+              <a:solidFill>
+                <a:schemeClr val="tx1"/>
+              </a:solidFill>
+              <a:latin typeface="+mn-lt"/>
+              <a:ea typeface="Montserrat Light"/>
+              <a:cs typeface="Montserrat Light"/>
+              <a:sym typeface="Montserrat Light"/>
+            </a:endParaRPr>
           </a:p>
           <a:p>
             <a:pPr marL="285750" marR="0" lvl="0" indent="-285750" defTabSz="914400" eaLnBrk="1" fontAlgn="auto" latinLnBrk="0" hangingPunct="1">
@@ -17853,7 +18746,7 @@
               <a:defRPr/>
             </a:pPr>
             <a:r>
-              <a:rPr kumimoji="0" lang="en-IN" sz="1800" i="0" u="none" strike="noStrike" kern="0" cap="none" spc="0" normalizeH="0" dirty="0">
+              <a:rPr kumimoji="0" lang="en-IN" sz="1800" i="0" u="none" strike="noStrike" kern="0" cap="none" spc="0" normalizeH="0" dirty="0" smtClean="0">
                 <a:ln>
                   <a:noFill/>
                 </a:ln>
@@ -17868,7 +18761,19 @@
                 <a:cs typeface="Montserrat Light"/>
                 <a:sym typeface="Montserrat Light"/>
               </a:rPr>
-              <a:t>Additionally </a:t>
+              <a:t>Use </a:t>
+            </a:r>
+            <a:r>
+              <a:rPr lang="en-IN" sz="1800" dirty="0" smtClean="0">
+                <a:solidFill>
+                  <a:schemeClr val="tx1"/>
+                </a:solidFill>
+                <a:latin typeface="+mn-lt"/>
+                <a:ea typeface="Montserrat Light"/>
+                <a:cs typeface="Montserrat Light"/>
+                <a:sym typeface="Montserrat Light"/>
+              </a:rPr>
+              <a:t>DHCP </a:t>
             </a:r>
             <a:r>
               <a:rPr lang="en-IN" sz="1800" dirty="0">
@@ -17880,28 +18785,10 @@
                 <a:cs typeface="Montserrat Light"/>
                 <a:sym typeface="Montserrat Light"/>
               </a:rPr>
-              <a:t>u</a:t>
+              <a:t>fingerprint or SSH fingerprint to identify and categorize </a:t>
             </a:r>
             <a:r>
-              <a:rPr kumimoji="0" lang="en-IN" sz="1800" i="0" u="none" strike="noStrike" kern="0" cap="none" spc="0" normalizeH="0" dirty="0">
-                <a:ln>
-                  <a:noFill/>
-                </a:ln>
-                <a:solidFill>
-                  <a:schemeClr val="tx1"/>
-                </a:solidFill>
-                <a:effectLst/>
-                <a:uLnTx/>
-                <a:uFillTx/>
-                <a:latin typeface="+mn-lt"/>
-                <a:ea typeface="Montserrat Light"/>
-                <a:cs typeface="Montserrat Light"/>
-                <a:sym typeface="Montserrat Light"/>
-              </a:rPr>
-              <a:t>se </a:t>
-            </a:r>
-            <a:r>
-              <a:rPr lang="en-IN" sz="1800" dirty="0">
+              <a:rPr lang="en-IN" sz="1800" dirty="0" smtClean="0">
                 <a:solidFill>
                   <a:schemeClr val="tx1"/>
                 </a:solidFill>
@@ -17910,7 +18797,7 @@
                 <a:cs typeface="Montserrat Light"/>
                 <a:sym typeface="Montserrat Light"/>
               </a:rPr>
-              <a:t>DHCP fingerprint or SSH fingerprint to identify and categorize them.</a:t>
+              <a:t>devices</a:t>
             </a:r>
             <a:endParaRPr kumimoji="0" lang="en-IN" sz="1800" i="0" u="none" strike="noStrike" kern="0" cap="none" spc="0" normalizeH="0" dirty="0">
               <a:ln>
